--- a/P18_Exposicion/PLANTILLA-Ponencia_vOct2025.pptx
+++ b/P18_Exposicion/PLANTILLA-Ponencia_vOct2025.pptx
@@ -4548,7 +4548,7 @@
                 <a:ea typeface="Tahoma" panose="020B0604030504040204" pitchFamily="34" charset="0"/>
                 <a:cs typeface="Tahoma" panose="020B0604030504040204" pitchFamily="34" charset="0"/>
               </a:rPr>
-              <a:t>Hipótesis o Supuesto</a:t>
+              <a:t>Supuesto</a:t>
             </a:r>
           </a:p>
         </p:txBody>
